--- a/PHP - Урок 24 - PHP_Laravel-Socialite-ДЗ.pptx
+++ b/PHP - Урок 24 - PHP_Laravel-Socialite-ДЗ.pptx
@@ -11353,18 +11353,7 @@
                 <a:cs typeface="Arial" panose="020B0604020202020204" pitchFamily="34" charset="0"/>
                 <a:sym typeface="Arial" panose="020B0604020202020204" pitchFamily="34" charset="0"/>
               </a:rPr>
-              <a:t> </a:t>
-            </a:r>
-            <a:r>
-              <a:rPr lang="en-US" altLang="ru-RU" sz="2000" b="1" dirty="0" smtClean="0">
-                <a:solidFill>
-                  <a:srgbClr val="4C5D6E"/>
-                </a:solidFill>
-                <a:latin typeface="Arial" panose="020B0604020202020204" pitchFamily="34" charset="0"/>
-                <a:cs typeface="Arial" panose="020B0604020202020204" pitchFamily="34" charset="0"/>
-                <a:sym typeface="Arial" panose="020B0604020202020204" pitchFamily="34" charset="0"/>
-              </a:rPr>
-              <a:t>24</a:t>
+              <a:t> 24</a:t>
             </a:r>
             <a:endParaRPr lang="ru-RU" altLang="ru-RU" dirty="0">
               <a:latin typeface="Arial" panose="020B0604020202020204" pitchFamily="34" charset="0"/>
@@ -11581,7 +11570,7 @@
               </a:buClr>
             </a:pPr>
             <a:r>
-              <a:rPr lang="en-US" altLang="ru-RU" sz="4000" dirty="0" err="1" smtClean="0">
+              <a:rPr lang="en-US" altLang="ru-RU" sz="4000" dirty="0" err="1">
                 <a:solidFill>
                   <a:srgbClr val="4C5D6E"/>
                 </a:solidFill>
@@ -11726,13 +11715,6 @@
   <p:clrMapOvr>
     <a:masterClrMapping/>
   </p:clrMapOvr>
-  <p:timing>
-    <p:tnLst>
-      <p:par>
-        <p:cTn id="1" dur="indefinite" restart="never" nodeType="tmRoot"/>
-      </p:par>
-    </p:tnLst>
-  </p:timing>
 </p:sld>
 </file>
 
@@ -11984,13 +11966,6 @@
   <p:clrMapOvr>
     <a:masterClrMapping/>
   </p:clrMapOvr>
-  <p:timing>
-    <p:tnLst>
-      <p:par>
-        <p:cTn id="1" dur="indefinite" restart="never" nodeType="tmRoot"/>
-      </p:par>
-    </p:tnLst>
-  </p:timing>
 </p:sld>
 </file>
 
@@ -12035,7 +12010,7 @@
         </p:nvSpPr>
         <p:spPr bwMode="auto">
           <a:xfrm>
-            <a:off x="1043608" y="195486"/>
+            <a:off x="1043608" y="-20538"/>
             <a:ext cx="6853238" cy="648658"/>
           </a:xfrm>
           <a:prstGeom prst="rect">
@@ -12226,7 +12201,7 @@
               </a:buClr>
             </a:pPr>
             <a:r>
-              <a:rPr lang="ru-RU" altLang="ru-RU" sz="3200" dirty="0" smtClean="0">
+              <a:rPr lang="ru-RU" altLang="ru-RU" sz="3200" dirty="0">
                 <a:solidFill>
                   <a:srgbClr val="4C5D6E"/>
                 </a:solidFill>
@@ -12251,8 +12226,8 @@
         </p:nvSpPr>
         <p:spPr>
           <a:xfrm>
-            <a:off x="683568" y="987574"/>
-            <a:ext cx="7848872" cy="3539430"/>
+            <a:off x="683568" y="627534"/>
+            <a:ext cx="7848872" cy="4231928"/>
           </a:xfrm>
           <a:prstGeom prst="rect">
             <a:avLst/>
@@ -12265,126 +12240,50 @@
           </a:bodyPr>
           <a:lstStyle/>
           <a:p>
-            <a:pPr algn="ctr"/>
-            <a:endParaRPr lang="en-US" sz="1600" dirty="0" smtClean="0"/>
-          </a:p>
-          <a:p>
             <a:pPr indent="360363"/>
             <a:r>
-              <a:rPr lang="ru-RU" sz="1600" b="1" dirty="0" smtClean="0"/>
+              <a:rPr lang="ru-RU" sz="1600" b="1" dirty="0"/>
               <a:t>Задача</a:t>
             </a:r>
             <a:r>
-              <a:rPr lang="en-US" sz="1600" dirty="0" smtClean="0"/>
+              <a:rPr lang="en-US" sz="1600" dirty="0"/>
               <a:t>: </a:t>
             </a:r>
             <a:r>
               <a:rPr lang="ru-RU" sz="1600" dirty="0"/>
-              <a:t> Реализуйте доску объявлений</a:t>
+              <a:t> Реализуйте доску объявлений.</a:t>
             </a:r>
             <a:r>
-              <a:rPr lang="ru-RU" sz="1600" dirty="0" smtClean="0"/>
-              <a:t>.</a:t>
-            </a:r>
-            <a:r>
-              <a:rPr lang="en-US" sz="1600" dirty="0" smtClean="0"/>
+              <a:rPr lang="en-US" sz="1600" dirty="0"/>
               <a:t> </a:t>
             </a:r>
             <a:r>
-              <a:rPr lang="ru-RU" sz="1600" dirty="0" smtClean="0"/>
+              <a:rPr lang="ru-RU" sz="1600" dirty="0"/>
               <a:t>(пример</a:t>
             </a:r>
             <a:r>
-              <a:rPr lang="en-US" sz="1600" dirty="0" smtClean="0"/>
+              <a:rPr lang="en-US" sz="1600" dirty="0"/>
               <a:t>:</a:t>
             </a:r>
             <a:r>
-              <a:rPr lang="ru-RU" sz="1600" dirty="0" smtClean="0"/>
+              <a:rPr lang="ru-RU" sz="1600" dirty="0"/>
               <a:t> </a:t>
             </a:r>
             <a:r>
-              <a:rPr lang="en-US" sz="1600" b="1" dirty="0" err="1" smtClean="0"/>
+              <a:rPr lang="en-US" sz="1600" b="1" dirty="0" err="1"/>
               <a:t>olx.ux</a:t>
             </a:r>
             <a:r>
-              <a:rPr lang="en-US" sz="1600" dirty="0" smtClean="0"/>
+              <a:rPr lang="en-US" sz="1600" dirty="0"/>
               <a:t>, </a:t>
             </a:r>
             <a:r>
-              <a:rPr lang="en-US" sz="1600" b="1" dirty="0" smtClean="0"/>
+              <a:rPr lang="en-US" sz="1600" b="1" dirty="0"/>
               <a:t>doski.uz</a:t>
             </a:r>
             <a:r>
-              <a:rPr lang="ru-RU" sz="1600" dirty="0" smtClean="0"/>
+              <a:rPr lang="ru-RU" sz="1600" dirty="0"/>
               <a:t>)</a:t>
-            </a:r>
-            <a:endParaRPr lang="ru-RU" sz="1600" dirty="0"/>
-          </a:p>
-          <a:p>
-            <a:pPr indent="360363"/>
-            <a:endParaRPr lang="ru-RU" sz="1600" dirty="0"/>
-          </a:p>
-          <a:p>
-            <a:pPr indent="360363"/>
-            <a:r>
-              <a:rPr lang="ru-RU" sz="1600" dirty="0"/>
-              <a:t>На главной странице нашего сайта должен быть список </a:t>
-            </a:r>
-            <a:r>
-              <a:rPr lang="ru-RU" sz="1600" dirty="0" smtClean="0"/>
-              <a:t>категорий  </a:t>
-            </a:r>
-            <a:r>
-              <a:rPr lang="ru-RU" sz="1600" dirty="0"/>
-              <a:t>объявлений.</a:t>
-            </a:r>
-          </a:p>
-          <a:p>
-            <a:pPr indent="360363"/>
-            <a:r>
-              <a:rPr lang="en-US" sz="1600" dirty="0" smtClean="0">
-                <a:hlinkClick r:id="rId3"/>
-              </a:rPr>
-              <a:t>http://laravel/categories</a:t>
-            </a:r>
-            <a:r>
-              <a:rPr lang="en-US" sz="1600" dirty="0" smtClean="0"/>
-              <a:t> </a:t>
-            </a:r>
-            <a:endParaRPr lang="ru-RU" sz="1600" dirty="0"/>
-          </a:p>
-          <a:p>
-            <a:pPr indent="360363"/>
-            <a:endParaRPr lang="en-US" sz="1600" dirty="0" smtClean="0"/>
-          </a:p>
-          <a:p>
-            <a:pPr indent="360363"/>
-            <a:r>
-              <a:rPr lang="ru-RU" sz="1600" dirty="0" smtClean="0"/>
-              <a:t>По </a:t>
-            </a:r>
-            <a:r>
-              <a:rPr lang="ru-RU" sz="1600" dirty="0"/>
-              <a:t>заходу на определенную рубрику должен выводится список объявлений из данной рубрики. Пусть объявления сортируются по убыванию даты.</a:t>
-            </a:r>
-          </a:p>
-          <a:p>
-            <a:pPr indent="360363"/>
-            <a:r>
-              <a:rPr lang="en-US" sz="1600" dirty="0">
-                <a:hlinkClick r:id="rId4"/>
-              </a:rPr>
-              <a:t>http://</a:t>
-            </a:r>
-            <a:r>
-              <a:rPr lang="en-US" sz="1600" dirty="0" smtClean="0">
-                <a:hlinkClick r:id="rId4"/>
-              </a:rPr>
-              <a:t>laravel/category_show?id=xxx</a:t>
-            </a:r>
-            <a:r>
-              <a:rPr lang="en-US" sz="1600" dirty="0" smtClean="0"/>
-              <a:t> </a:t>
             </a:r>
           </a:p>
           <a:p>
@@ -12395,9 +12294,59 @@
             <a:pPr indent="360363"/>
             <a:r>
               <a:rPr lang="ru-RU" sz="1600" dirty="0"/>
-              <a:t>Под списком объявлений сделайте форму, с помощью которой можно будет оставить новое объявление. </a:t>
+              <a:t>На главной странице нашего сайта должен быть список категорий  объявлений.</a:t>
             </a:r>
-            <a:endParaRPr lang="en-US" sz="1600" dirty="0" smtClean="0"/>
+          </a:p>
+          <a:p>
+            <a:pPr indent="360363"/>
+            <a:r>
+              <a:rPr lang="en-US" sz="1600" dirty="0">
+                <a:hlinkClick r:id="rId3"/>
+              </a:rPr>
+              <a:t>http://laravel5/categories</a:t>
+            </a:r>
+            <a:endParaRPr lang="ru-RU" sz="1600" dirty="0"/>
+          </a:p>
+          <a:p>
+            <a:pPr indent="360363"/>
+            <a:endParaRPr lang="en-US" sz="1600" dirty="0"/>
+          </a:p>
+          <a:p>
+            <a:pPr indent="360363"/>
+            <a:r>
+              <a:rPr lang="ru-RU" sz="1600" dirty="0"/>
+              <a:t>По заходу на определенную рубрику должен выводится список объявлений из данной рубрики. Пусть объявления сортируются по убыванию даты.</a:t>
+            </a:r>
+          </a:p>
+          <a:p>
+            <a:pPr indent="360363"/>
+            <a:r>
+              <a:rPr lang="en-US" sz="1600" dirty="0">
+                <a:hlinkClick r:id="rId4"/>
+              </a:rPr>
+              <a:t>http://laravel5/posts?category_id=xxx</a:t>
+            </a:r>
+            <a:endParaRPr lang="en-US" sz="1600" dirty="0"/>
+          </a:p>
+          <a:p>
+            <a:pPr indent="360363"/>
+            <a:endParaRPr lang="ru-RU" sz="1600" dirty="0"/>
+          </a:p>
+          <a:p>
+            <a:pPr indent="360363"/>
+            <a:r>
+              <a:rPr lang="ru-RU" sz="1600" dirty="0"/>
+              <a:t>Под списком объявлений сделайте форму, с помощью которой можно будет оставить новое объявление</a:t>
+            </a:r>
+            <a:r>
+              <a:rPr lang="en-US" sz="1600" dirty="0"/>
+              <a:t> </a:t>
+            </a:r>
+            <a:r>
+              <a:rPr lang="ru-RU" sz="1600" dirty="0"/>
+              <a:t>и указать категорию. </a:t>
+            </a:r>
+            <a:endParaRPr lang="en-US" sz="1600" dirty="0"/>
           </a:p>
           <a:p>
             <a:pPr indent="360363"/>
@@ -12405,15 +12354,64 @@
               <a:rPr lang="en-US" sz="1600" dirty="0">
                 <a:hlinkClick r:id="rId5"/>
               </a:rPr>
-              <a:t>http://</a:t>
+              <a:t>http://laravel5/new_post</a:t>
+            </a:r>
+            <a:endParaRPr lang="en-US" sz="1600" dirty="0"/>
+          </a:p>
+          <a:p>
+            <a:pPr indent="360363"/>
+            <a:endParaRPr lang="en-US" sz="1600" dirty="0"/>
+          </a:p>
+          <a:p>
+            <a:pPr lvl="1"/>
+            <a:r>
+              <a:rPr lang="ru-RU" b="1" dirty="0"/>
+              <a:t>На проверку</a:t>
             </a:r>
             <a:r>
-              <a:rPr lang="en-US" sz="1600" dirty="0" smtClean="0">
-                <a:hlinkClick r:id="rId5"/>
+              <a:rPr lang="en-US" b="1" dirty="0"/>
+              <a:t> </a:t>
+            </a:r>
+            <a:r>
+              <a:rPr lang="ru-RU" b="1" dirty="0"/>
+              <a:t>отправить:</a:t>
+            </a:r>
+          </a:p>
+          <a:p>
+            <a:pPr marL="800100" lvl="1" indent="-342900">
+              <a:buFont typeface="+mj-lt"/>
+              <a:buAutoNum type="arabicPeriod"/>
+            </a:pPr>
+            <a:r>
+              <a:rPr lang="ru-RU" dirty="0"/>
+              <a:t>Файлы проекта </a:t>
+            </a:r>
+            <a:r>
+              <a:rPr lang="en-US" b="1" dirty="0"/>
+              <a:t>Laravel</a:t>
+            </a:r>
+            <a:endParaRPr lang="ru-RU" b="1" dirty="0"/>
+          </a:p>
+          <a:p>
+            <a:pPr marL="800100" lvl="1" indent="-342900">
+              <a:buFont typeface="+mj-lt"/>
+              <a:buAutoNum type="arabicPeriod"/>
+            </a:pPr>
+            <a:r>
+              <a:rPr lang="ru-RU" dirty="0"/>
+              <a:t>Скриншот окна браузера </a:t>
+            </a:r>
+            <a:r>
+              <a:rPr lang="en-US" sz="1200" dirty="0">
+                <a:hlinkClick r:id="rId3"/>
               </a:rPr>
-              <a:t>laravel/new_post</a:t>
+              <a:t>http://laravel5/categories</a:t>
             </a:r>
-            <a:endParaRPr lang="en-US" sz="1600" dirty="0"/>
+            <a:r>
+              <a:rPr lang="en-US" dirty="0"/>
+              <a:t> </a:t>
+            </a:r>
+            <a:endParaRPr lang="ru-RU" dirty="0"/>
           </a:p>
         </p:txBody>
       </p:sp>
@@ -12427,13 +12425,6 @@
   <p:clrMapOvr>
     <a:masterClrMapping/>
   </p:clrMapOvr>
-  <p:timing>
-    <p:tnLst>
-      <p:par>
-        <p:cTn id="1" dur="indefinite" restart="never" nodeType="tmRoot"/>
-      </p:par>
-    </p:tnLst>
-  </p:timing>
 </p:sld>
 </file>
 
